--- a/OOP07-4.pptx
+++ b/OOP07-4.pptx
@@ -5,7 +5,7 @@
     <p:sldMasterId id="2147483655" r:id="rId1"/>
   </p:sldMasterIdLst>
   <p:notesMasterIdLst>
-    <p:notesMasterId r:id="rId14"/>
+    <p:notesMasterId r:id="rId15"/>
   </p:notesMasterIdLst>
   <p:sldIdLst>
     <p:sldId id="256" r:id="rId2"/>
@@ -20,6 +20,7 @@
     <p:sldId id="422" r:id="rId11"/>
     <p:sldId id="423" r:id="rId12"/>
     <p:sldId id="424" r:id="rId13"/>
+    <p:sldId id="427" r:id="rId14"/>
   </p:sldIdLst>
   <p:sldSz cx="9144000" cy="6858000" type="screen4x3"/>
   <p:notesSz cx="6858000" cy="9144000"/>
@@ -279,7 +280,7 @@
               <a:pPr>
                 <a:defRPr/>
               </a:pPr>
-              <a:t>2024. 11. 19.</a:t>
+              <a:t>2025. 12. 2.</a:t>
             </a:fld>
             <a:endParaRPr lang="ko-KR" altLang="en-US"/>
           </a:p>
@@ -7894,6 +7895,462 @@
 </p:sld>
 </file>
 
+<file path=ppt/slides/slide13.xml><?xml version="1.0" encoding="utf-8"?>
+<p:sld xmlns:a="http://schemas.openxmlformats.org/drawingml/2006/main" xmlns:r="http://schemas.openxmlformats.org/officeDocument/2006/relationships" xmlns:p="http://schemas.openxmlformats.org/presentationml/2006/main">
+  <p:cSld>
+    <p:spTree>
+      <p:nvGrpSpPr>
+        <p:cNvPr id="1" name=""/>
+        <p:cNvGrpSpPr/>
+        <p:nvPr/>
+      </p:nvGrpSpPr>
+      <p:grpSpPr>
+        <a:xfrm>
+          <a:off x="0" y="0"/>
+          <a:ext cx="0" cy="0"/>
+          <a:chOff x="0" y="0"/>
+          <a:chExt cx="0" cy="0"/>
+        </a:xfrm>
+      </p:grpSpPr>
+      <p:sp>
+        <p:nvSpPr>
+          <p:cNvPr id="2" name="제목 1">
+            <a:extLst>
+              <a:ext uri="{FF2B5EF4-FFF2-40B4-BE49-F238E27FC236}">
+                <a16:creationId xmlns:a16="http://schemas.microsoft.com/office/drawing/2014/main" id="{942DA415-233E-4962-0248-22D2BDAAEF53}"/>
+              </a:ext>
+            </a:extLst>
+          </p:cNvPr>
+          <p:cNvSpPr>
+            <a:spLocks noGrp="1"/>
+          </p:cNvSpPr>
+          <p:nvPr>
+            <p:ph type="title"/>
+          </p:nvPr>
+        </p:nvSpPr>
+        <p:spPr/>
+        <p:txBody>
+          <a:bodyPr/>
+          <a:lstStyle/>
+          <a:p>
+            <a:r>
+              <a:rPr kumimoji="1" lang="en-US" altLang="ko-Kore-KR" b="1" u="sng" dirty="0"/>
+              <a:t>Lambda Function</a:t>
+            </a:r>
+            <a:endParaRPr kumimoji="1" lang="ko-KR" altLang="en-US" dirty="0"/>
+          </a:p>
+        </p:txBody>
+      </p:sp>
+      <p:sp>
+        <p:nvSpPr>
+          <p:cNvPr id="3" name="내용 개체 틀 2">
+            <a:extLst>
+              <a:ext uri="{FF2B5EF4-FFF2-40B4-BE49-F238E27FC236}">
+                <a16:creationId xmlns:a16="http://schemas.microsoft.com/office/drawing/2014/main" id="{7F633CD2-EEA2-46C2-6C24-EEAA8C8DC029}"/>
+              </a:ext>
+            </a:extLst>
+          </p:cNvPr>
+          <p:cNvSpPr>
+            <a:spLocks noGrp="1"/>
+          </p:cNvSpPr>
+          <p:nvPr>
+            <p:ph idx="1"/>
+          </p:nvPr>
+        </p:nvSpPr>
+        <p:spPr>
+          <a:xfrm>
+            <a:off x="323528" y="1567333"/>
+            <a:ext cx="9227368" cy="4525963"/>
+          </a:xfrm>
+        </p:spPr>
+        <p:txBody>
+          <a:bodyPr/>
+          <a:lstStyle/>
+          <a:p>
+            <a:r>
+              <a:rPr lang="en-US" altLang="ko-KR" dirty="0"/>
+              <a:t>Lambda function can capture local variables</a:t>
+            </a:r>
+            <a:endParaRPr kumimoji="1" lang="en-US" altLang="ko-KR" dirty="0"/>
+          </a:p>
+          <a:p>
+            <a:pPr lvl="1"/>
+            <a:r>
+              <a:rPr lang="en-US" altLang="ko-KR" dirty="0"/>
+              <a:t>capture by value</a:t>
+            </a:r>
+          </a:p>
+          <a:p>
+            <a:pPr lvl="1"/>
+            <a:endParaRPr kumimoji="1" lang="en-US" altLang="ko-KR" dirty="0"/>
+          </a:p>
+          <a:p>
+            <a:pPr lvl="1"/>
+            <a:r>
+              <a:rPr lang="en-US" altLang="ko-KR" dirty="0"/>
+              <a:t>capture by reference</a:t>
+            </a:r>
+          </a:p>
+          <a:p>
+            <a:pPr lvl="1"/>
+            <a:endParaRPr kumimoji="1" lang="en-US" altLang="ko-KR" dirty="0"/>
+          </a:p>
+          <a:p>
+            <a:pPr lvl="1"/>
+            <a:r>
+              <a:rPr lang="en-US" altLang="ko-KR" dirty="0"/>
+              <a:t>capture all by value: [=]</a:t>
+            </a:r>
+          </a:p>
+          <a:p>
+            <a:pPr lvl="1"/>
+            <a:endParaRPr kumimoji="1" lang="en-US" altLang="ko-KR" dirty="0"/>
+          </a:p>
+          <a:p>
+            <a:pPr lvl="1"/>
+            <a:r>
+              <a:rPr lang="en-US" altLang="ko-KR" dirty="0"/>
+              <a:t>capture all by reference</a:t>
+            </a:r>
+          </a:p>
+          <a:p>
+            <a:pPr lvl="1"/>
+            <a:endParaRPr kumimoji="1" lang="en-US" altLang="ko-KR" dirty="0"/>
+          </a:p>
+          <a:p>
+            <a:pPr lvl="1"/>
+            <a:r>
+              <a:rPr lang="en-US" altLang="ko-KR" dirty="0"/>
+              <a:t>mixed capture </a:t>
+            </a:r>
+            <a:endParaRPr kumimoji="1" lang="ko-KR" altLang="en-US" dirty="0"/>
+          </a:p>
+        </p:txBody>
+      </p:sp>
+      <p:sp>
+        <p:nvSpPr>
+          <p:cNvPr id="4" name="TextBox 3">
+            <a:extLst>
+              <a:ext uri="{FF2B5EF4-FFF2-40B4-BE49-F238E27FC236}">
+                <a16:creationId xmlns:a16="http://schemas.microsoft.com/office/drawing/2014/main" id="{8BE0597E-913D-3C98-17F9-A4B571DEFD78}"/>
+              </a:ext>
+            </a:extLst>
+          </p:cNvPr>
+          <p:cNvSpPr txBox="1"/>
+          <p:nvPr/>
+        </p:nvSpPr>
+        <p:spPr>
+          <a:xfrm>
+            <a:off x="4644008" y="2204864"/>
+            <a:ext cx="3888432" cy="523220"/>
+          </a:xfrm>
+          <a:prstGeom prst="rect">
+            <a:avLst/>
+          </a:prstGeom>
+          <a:solidFill>
+            <a:schemeClr val="accent5">
+              <a:lumMod val="20000"/>
+              <a:lumOff val="80000"/>
+            </a:schemeClr>
+          </a:solidFill>
+          <a:ln>
+            <a:solidFill>
+              <a:schemeClr val="tx1"/>
+            </a:solidFill>
+          </a:ln>
+        </p:spPr>
+        <p:txBody>
+          <a:bodyPr wrap="square" rtlCol="0">
+            <a:spAutoFit/>
+          </a:bodyPr>
+          <a:lstStyle/>
+          <a:p>
+            <a:r>
+              <a:rPr kumimoji="1" lang="en-US" altLang="ko-KR" sz="1400" b="1" dirty="0">
+                <a:latin typeface="Courier New" panose="02070309020205020404" pitchFamily="49" charset="0"/>
+                <a:cs typeface="Courier New" panose="02070309020205020404" pitchFamily="49" charset="0"/>
+              </a:rPr>
+              <a:t>int a = 10;</a:t>
+            </a:r>
+          </a:p>
+          <a:p>
+            <a:r>
+              <a:rPr lang="en-US" altLang="ko-KR" sz="1400" b="1" dirty="0">
+                <a:latin typeface="Courier New" panose="02070309020205020404" pitchFamily="49" charset="0"/>
+                <a:cs typeface="Courier New" panose="02070309020205020404" pitchFamily="49" charset="0"/>
+              </a:rPr>
+              <a:t>auto f = [a]() {return a+1;};</a:t>
+            </a:r>
+            <a:endParaRPr kumimoji="1" lang="ko-KR" altLang="en-US" sz="1400" b="1" dirty="0">
+              <a:latin typeface="Courier New" panose="02070309020205020404" pitchFamily="49" charset="0"/>
+              <a:cs typeface="Courier New" panose="02070309020205020404" pitchFamily="49" charset="0"/>
+            </a:endParaRPr>
+          </a:p>
+        </p:txBody>
+      </p:sp>
+      <p:sp>
+        <p:nvSpPr>
+          <p:cNvPr id="5" name="TextBox 4">
+            <a:extLst>
+              <a:ext uri="{FF2B5EF4-FFF2-40B4-BE49-F238E27FC236}">
+                <a16:creationId xmlns:a16="http://schemas.microsoft.com/office/drawing/2014/main" id="{44DB9E3F-1919-E162-340F-5580FCF76ABD}"/>
+              </a:ext>
+            </a:extLst>
+          </p:cNvPr>
+          <p:cNvSpPr txBox="1"/>
+          <p:nvPr/>
+        </p:nvSpPr>
+        <p:spPr>
+          <a:xfrm>
+            <a:off x="4644008" y="3265820"/>
+            <a:ext cx="3888432" cy="307777"/>
+          </a:xfrm>
+          <a:prstGeom prst="rect">
+            <a:avLst/>
+          </a:prstGeom>
+          <a:solidFill>
+            <a:schemeClr val="accent5">
+              <a:lumMod val="20000"/>
+              <a:lumOff val="80000"/>
+            </a:schemeClr>
+          </a:solidFill>
+          <a:ln>
+            <a:solidFill>
+              <a:schemeClr val="tx1"/>
+            </a:solidFill>
+          </a:ln>
+        </p:spPr>
+        <p:txBody>
+          <a:bodyPr wrap="square" rtlCol="0">
+            <a:spAutoFit/>
+          </a:bodyPr>
+          <a:lstStyle/>
+          <a:p>
+            <a:r>
+              <a:rPr lang="en-US" altLang="ko-KR" sz="1400" b="1" dirty="0">
+                <a:latin typeface="Courier New" panose="02070309020205020404" pitchFamily="49" charset="0"/>
+                <a:cs typeface="Courier New" panose="02070309020205020404" pitchFamily="49" charset="0"/>
+              </a:rPr>
+              <a:t>auto f = [&amp;a]() { a++;};</a:t>
+            </a:r>
+            <a:endParaRPr kumimoji="1" lang="ko-KR" altLang="en-US" sz="1400" b="1" dirty="0">
+              <a:latin typeface="Courier New" panose="02070309020205020404" pitchFamily="49" charset="0"/>
+              <a:cs typeface="Courier New" panose="02070309020205020404" pitchFamily="49" charset="0"/>
+            </a:endParaRPr>
+          </a:p>
+        </p:txBody>
+      </p:sp>
+      <p:sp>
+        <p:nvSpPr>
+          <p:cNvPr id="6" name="TextBox 5">
+            <a:extLst>
+              <a:ext uri="{FF2B5EF4-FFF2-40B4-BE49-F238E27FC236}">
+                <a16:creationId xmlns:a16="http://schemas.microsoft.com/office/drawing/2014/main" id="{908D99D4-AB07-6FBC-DF76-4307AD0F9289}"/>
+              </a:ext>
+            </a:extLst>
+          </p:cNvPr>
+          <p:cNvSpPr txBox="1"/>
+          <p:nvPr/>
+        </p:nvSpPr>
+        <p:spPr>
+          <a:xfrm>
+            <a:off x="4644008" y="4509120"/>
+            <a:ext cx="3888432" cy="307777"/>
+          </a:xfrm>
+          <a:prstGeom prst="rect">
+            <a:avLst/>
+          </a:prstGeom>
+          <a:solidFill>
+            <a:schemeClr val="accent5">
+              <a:lumMod val="20000"/>
+              <a:lumOff val="80000"/>
+            </a:schemeClr>
+          </a:solidFill>
+          <a:ln>
+            <a:solidFill>
+              <a:schemeClr val="tx1"/>
+            </a:solidFill>
+          </a:ln>
+        </p:spPr>
+        <p:txBody>
+          <a:bodyPr wrap="square" rtlCol="0">
+            <a:spAutoFit/>
+          </a:bodyPr>
+          <a:lstStyle/>
+          <a:p>
+            <a:r>
+              <a:rPr lang="en-US" altLang="ko-KR" sz="1400" b="1" dirty="0">
+                <a:latin typeface="Courier New" panose="02070309020205020404" pitchFamily="49" charset="0"/>
+                <a:cs typeface="Courier New" panose="02070309020205020404" pitchFamily="49" charset="0"/>
+              </a:rPr>
+              <a:t>auto f = [=]() { return </a:t>
+            </a:r>
+            <a:r>
+              <a:rPr lang="en-US" altLang="ko-KR" sz="1400" b="1" dirty="0" err="1">
+                <a:latin typeface="Courier New" panose="02070309020205020404" pitchFamily="49" charset="0"/>
+                <a:cs typeface="Courier New" panose="02070309020205020404" pitchFamily="49" charset="0"/>
+              </a:rPr>
+              <a:t>a+b</a:t>
+            </a:r>
+            <a:r>
+              <a:rPr lang="en-US" altLang="ko-KR" sz="1400" b="1" dirty="0">
+                <a:latin typeface="Courier New" panose="02070309020205020404" pitchFamily="49" charset="0"/>
+                <a:cs typeface="Courier New" panose="02070309020205020404" pitchFamily="49" charset="0"/>
+              </a:rPr>
+              <a:t>;};</a:t>
+            </a:r>
+            <a:endParaRPr kumimoji="1" lang="ko-KR" altLang="en-US" sz="1400" b="1" dirty="0">
+              <a:latin typeface="Courier New" panose="02070309020205020404" pitchFamily="49" charset="0"/>
+              <a:cs typeface="Courier New" panose="02070309020205020404" pitchFamily="49" charset="0"/>
+            </a:endParaRPr>
+          </a:p>
+        </p:txBody>
+      </p:sp>
+      <p:sp>
+        <p:nvSpPr>
+          <p:cNvPr id="7" name="TextBox 6">
+            <a:extLst>
+              <a:ext uri="{FF2B5EF4-FFF2-40B4-BE49-F238E27FC236}">
+                <a16:creationId xmlns:a16="http://schemas.microsoft.com/office/drawing/2014/main" id="{FA259D22-58FE-0ED1-EC3B-A26CAE810270}"/>
+              </a:ext>
+            </a:extLst>
+          </p:cNvPr>
+          <p:cNvSpPr txBox="1"/>
+          <p:nvPr/>
+        </p:nvSpPr>
+        <p:spPr>
+          <a:xfrm>
+            <a:off x="4644008" y="5425479"/>
+            <a:ext cx="3888432" cy="307777"/>
+          </a:xfrm>
+          <a:prstGeom prst="rect">
+            <a:avLst/>
+          </a:prstGeom>
+          <a:solidFill>
+            <a:schemeClr val="accent5">
+              <a:lumMod val="20000"/>
+              <a:lumOff val="80000"/>
+            </a:schemeClr>
+          </a:solidFill>
+          <a:ln>
+            <a:solidFill>
+              <a:schemeClr val="tx1"/>
+            </a:solidFill>
+          </a:ln>
+        </p:spPr>
+        <p:txBody>
+          <a:bodyPr wrap="square" rtlCol="0">
+            <a:spAutoFit/>
+          </a:bodyPr>
+          <a:lstStyle/>
+          <a:p>
+            <a:r>
+              <a:rPr lang="en-US" altLang="ko-KR" sz="1400" b="1" dirty="0">
+                <a:latin typeface="Courier New" panose="02070309020205020404" pitchFamily="49" charset="0"/>
+                <a:cs typeface="Courier New" panose="02070309020205020404" pitchFamily="49" charset="0"/>
+              </a:rPr>
+              <a:t>auto f = [&amp;]() { sum+=</a:t>
+            </a:r>
+            <a:r>
+              <a:rPr lang="en-US" altLang="ko-KR" sz="1400" b="1" dirty="0" err="1">
+                <a:latin typeface="Courier New" panose="02070309020205020404" pitchFamily="49" charset="0"/>
+                <a:cs typeface="Courier New" panose="02070309020205020404" pitchFamily="49" charset="0"/>
+              </a:rPr>
+              <a:t>a+b</a:t>
+            </a:r>
+            <a:r>
+              <a:rPr lang="en-US" altLang="ko-KR" sz="1400" b="1" dirty="0">
+                <a:latin typeface="Courier New" panose="02070309020205020404" pitchFamily="49" charset="0"/>
+                <a:cs typeface="Courier New" panose="02070309020205020404" pitchFamily="49" charset="0"/>
+              </a:rPr>
+              <a:t>;};</a:t>
+            </a:r>
+            <a:endParaRPr kumimoji="1" lang="ko-KR" altLang="en-US" sz="1400" b="1" dirty="0">
+              <a:latin typeface="Courier New" panose="02070309020205020404" pitchFamily="49" charset="0"/>
+              <a:cs typeface="Courier New" panose="02070309020205020404" pitchFamily="49" charset="0"/>
+            </a:endParaRPr>
+          </a:p>
+        </p:txBody>
+      </p:sp>
+      <p:sp>
+        <p:nvSpPr>
+          <p:cNvPr id="8" name="TextBox 7">
+            <a:extLst>
+              <a:ext uri="{FF2B5EF4-FFF2-40B4-BE49-F238E27FC236}">
+                <a16:creationId xmlns:a16="http://schemas.microsoft.com/office/drawing/2014/main" id="{635DCCEF-E652-4FF9-6782-54137973EA52}"/>
+              </a:ext>
+            </a:extLst>
+          </p:cNvPr>
+          <p:cNvSpPr txBox="1"/>
+          <p:nvPr/>
+        </p:nvSpPr>
+        <p:spPr>
+          <a:xfrm>
+            <a:off x="4644008" y="6073551"/>
+            <a:ext cx="3888432" cy="307777"/>
+          </a:xfrm>
+          <a:prstGeom prst="rect">
+            <a:avLst/>
+          </a:prstGeom>
+          <a:solidFill>
+            <a:schemeClr val="accent5">
+              <a:lumMod val="20000"/>
+              <a:lumOff val="80000"/>
+            </a:schemeClr>
+          </a:solidFill>
+          <a:ln>
+            <a:solidFill>
+              <a:schemeClr val="tx1"/>
+            </a:solidFill>
+          </a:ln>
+        </p:spPr>
+        <p:txBody>
+          <a:bodyPr wrap="square" rtlCol="0">
+            <a:spAutoFit/>
+          </a:bodyPr>
+          <a:lstStyle/>
+          <a:p>
+            <a:r>
+              <a:rPr lang="en-US" altLang="ko-KR" sz="1400" b="1" dirty="0">
+                <a:latin typeface="Courier New" panose="02070309020205020404" pitchFamily="49" charset="0"/>
+                <a:cs typeface="Courier New" panose="02070309020205020404" pitchFamily="49" charset="0"/>
+              </a:rPr>
+              <a:t>auto f = [</a:t>
+            </a:r>
+            <a:r>
+              <a:rPr lang="en-US" altLang="ko-KR" sz="1400" b="1" dirty="0" err="1">
+                <a:latin typeface="Courier New" panose="02070309020205020404" pitchFamily="49" charset="0"/>
+                <a:cs typeface="Courier New" panose="02070309020205020404" pitchFamily="49" charset="0"/>
+              </a:rPr>
+              <a:t>x,&amp;y</a:t>
+            </a:r>
+            <a:r>
+              <a:rPr lang="en-US" altLang="ko-KR" sz="1400" b="1" dirty="0">
+                <a:latin typeface="Courier New" panose="02070309020205020404" pitchFamily="49" charset="0"/>
+                <a:cs typeface="Courier New" panose="02070309020205020404" pitchFamily="49" charset="0"/>
+              </a:rPr>
+              <a:t>]() { y+=x; };</a:t>
+            </a:r>
+            <a:endParaRPr kumimoji="1" lang="ko-KR" altLang="en-US" sz="1400" b="1" dirty="0">
+              <a:latin typeface="Courier New" panose="02070309020205020404" pitchFamily="49" charset="0"/>
+              <a:cs typeface="Courier New" panose="02070309020205020404" pitchFamily="49" charset="0"/>
+            </a:endParaRPr>
+          </a:p>
+        </p:txBody>
+      </p:sp>
+    </p:spTree>
+    <p:extLst>
+      <p:ext uri="{BB962C8B-B14F-4D97-AF65-F5344CB8AC3E}">
+        <p14:creationId xmlns:p14="http://schemas.microsoft.com/office/powerpoint/2010/main" val="3285848421"/>
+      </p:ext>
+    </p:extLst>
+  </p:cSld>
+  <p:clrMapOvr>
+    <a:masterClrMapping/>
+  </p:clrMapOvr>
+</p:sld>
+</file>
+
 <file path=ppt/slides/slide2.xml><?xml version="1.0" encoding="utf-8"?>
 <p:sld xmlns:a="http://schemas.openxmlformats.org/drawingml/2006/main" xmlns:r="http://schemas.openxmlformats.org/officeDocument/2006/relationships" xmlns:p="http://schemas.openxmlformats.org/presentationml/2006/main">
   <p:cSld>

--- a/OOP07-4.pptx
+++ b/OOP07-4.pptx
@@ -5,7 +5,7 @@
     <p:sldMasterId id="2147483655" r:id="rId1"/>
   </p:sldMasterIdLst>
   <p:notesMasterIdLst>
-    <p:notesMasterId r:id="rId15"/>
+    <p:notesMasterId r:id="rId16"/>
   </p:notesMasterIdLst>
   <p:sldIdLst>
     <p:sldId id="256" r:id="rId2"/>
@@ -19,8 +19,9 @@
     <p:sldId id="421" r:id="rId10"/>
     <p:sldId id="422" r:id="rId11"/>
     <p:sldId id="423" r:id="rId12"/>
-    <p:sldId id="424" r:id="rId13"/>
-    <p:sldId id="427" r:id="rId14"/>
+    <p:sldId id="428" r:id="rId13"/>
+    <p:sldId id="424" r:id="rId14"/>
+    <p:sldId id="427" r:id="rId15"/>
   </p:sldIdLst>
   <p:sldSz cx="9144000" cy="6858000" type="screen4x3"/>
   <p:notesSz cx="6858000" cy="9144000"/>
@@ -7590,6 +7591,176 @@
           <p:cNvPr id="2" name="제목 1">
             <a:extLst>
               <a:ext uri="{FF2B5EF4-FFF2-40B4-BE49-F238E27FC236}">
+                <a16:creationId xmlns:a16="http://schemas.microsoft.com/office/drawing/2014/main" id="{F56BCE3A-43CE-43D5-62BF-8E12D2E631E3}"/>
+              </a:ext>
+            </a:extLst>
+          </p:cNvPr>
+          <p:cNvSpPr>
+            <a:spLocks noGrp="1"/>
+          </p:cNvSpPr>
+          <p:nvPr>
+            <p:ph type="title"/>
+          </p:nvPr>
+        </p:nvSpPr>
+        <p:spPr/>
+        <p:txBody>
+          <a:bodyPr/>
+          <a:lstStyle/>
+          <a:p>
+            <a:r>
+              <a:rPr kumimoji="1" lang="en-US" altLang="ko-Kore-KR" b="1" u="sng" dirty="0"/>
+              <a:t>Lambda Function</a:t>
+            </a:r>
+            <a:endParaRPr kumimoji="1" lang="ko-KR" altLang="en-US" dirty="0"/>
+          </a:p>
+        </p:txBody>
+      </p:sp>
+      <p:sp>
+        <p:nvSpPr>
+          <p:cNvPr id="3" name="내용 개체 틀 2">
+            <a:extLst>
+              <a:ext uri="{FF2B5EF4-FFF2-40B4-BE49-F238E27FC236}">
+                <a16:creationId xmlns:a16="http://schemas.microsoft.com/office/drawing/2014/main" id="{8F39EE4F-C273-FA63-99A9-65544AA69051}"/>
+              </a:ext>
+            </a:extLst>
+          </p:cNvPr>
+          <p:cNvSpPr>
+            <a:spLocks noGrp="1"/>
+          </p:cNvSpPr>
+          <p:nvPr>
+            <p:ph idx="1"/>
+          </p:nvPr>
+        </p:nvSpPr>
+        <p:spPr>
+          <a:xfrm>
+            <a:off x="395536" y="1600200"/>
+            <a:ext cx="8507288" cy="4525963"/>
+          </a:xfrm>
+        </p:spPr>
+        <p:txBody>
+          <a:bodyPr/>
+          <a:lstStyle/>
+          <a:p>
+            <a:r>
+              <a:rPr lang="en-US" altLang="ko-KR" dirty="0"/>
+              <a:t>Useful for </a:t>
+            </a:r>
+            <a:r>
+              <a:rPr lang="en-US" altLang="ko-KR" b="1" dirty="0">
+                <a:solidFill>
+                  <a:srgbClr val="FF0000"/>
+                </a:solidFill>
+              </a:rPr>
+              <a:t>s</a:t>
+            </a:r>
+            <a:r>
+              <a:rPr kumimoji="1" lang="en-US" altLang="ko-KR" b="1" dirty="0">
+                <a:solidFill>
+                  <a:srgbClr val="FF0000"/>
+                </a:solidFill>
+              </a:rPr>
+              <a:t>hort</a:t>
+            </a:r>
+            <a:r>
+              <a:rPr kumimoji="1" lang="en-US" altLang="ko-KR" dirty="0"/>
+              <a:t>, </a:t>
+            </a:r>
+            <a:r>
+              <a:rPr kumimoji="1" lang="en-US" altLang="ko-KR" b="1" dirty="0">
+                <a:solidFill>
+                  <a:srgbClr val="FF0000"/>
+                </a:solidFill>
+              </a:rPr>
+              <a:t>t</a:t>
+            </a:r>
+            <a:r>
+              <a:rPr lang="en-US" altLang="ko-KR" b="1" dirty="0">
+                <a:solidFill>
+                  <a:srgbClr val="FF0000"/>
+                </a:solidFill>
+              </a:rPr>
+              <a:t>emporary</a:t>
+            </a:r>
+            <a:r>
+              <a:rPr lang="en-US" altLang="ko-KR" dirty="0"/>
+              <a:t>, or </a:t>
+            </a:r>
+            <a:r>
+              <a:rPr lang="en-US" altLang="ko-KR" b="1" dirty="0">
+                <a:solidFill>
+                  <a:srgbClr val="FF0000"/>
+                </a:solidFill>
+              </a:rPr>
+              <a:t>one-time-use functions</a:t>
+            </a:r>
+            <a:r>
+              <a:rPr lang="en-US" altLang="ko-KR" dirty="0"/>
+              <a:t>, especially when working with</a:t>
+            </a:r>
+          </a:p>
+          <a:p>
+            <a:pPr lvl="1"/>
+            <a:r>
+              <a:rPr kumimoji="1" lang="en-US" altLang="ko-KR" dirty="0"/>
+              <a:t>STL algorithms (e.g. sort, </a:t>
+            </a:r>
+            <a:r>
+              <a:rPr lang="en-US" altLang="ko-KR" dirty="0"/>
+              <a:t>transform, etc.)</a:t>
+            </a:r>
+          </a:p>
+          <a:p>
+            <a:pPr lvl="1"/>
+            <a:r>
+              <a:rPr kumimoji="1" lang="en-US" altLang="ko-KR" dirty="0"/>
+              <a:t>Threads</a:t>
+            </a:r>
+          </a:p>
+          <a:p>
+            <a:pPr lvl="1"/>
+            <a:r>
+              <a:rPr lang="en-US" altLang="ko-KR" dirty="0"/>
+              <a:t>Callbacks or event handlers</a:t>
+            </a:r>
+            <a:endParaRPr kumimoji="1" lang="ko-KR" altLang="en-US" dirty="0"/>
+          </a:p>
+        </p:txBody>
+      </p:sp>
+    </p:spTree>
+    <p:extLst>
+      <p:ext uri="{BB962C8B-B14F-4D97-AF65-F5344CB8AC3E}">
+        <p14:creationId xmlns:p14="http://schemas.microsoft.com/office/powerpoint/2010/main" val="119142862"/>
+      </p:ext>
+    </p:extLst>
+  </p:cSld>
+  <p:clrMapOvr>
+    <a:masterClrMapping/>
+  </p:clrMapOvr>
+</p:sld>
+</file>
+
+<file path=ppt/slides/slide13.xml><?xml version="1.0" encoding="utf-8"?>
+<p:sld xmlns:a="http://schemas.openxmlformats.org/drawingml/2006/main" xmlns:r="http://schemas.openxmlformats.org/officeDocument/2006/relationships" xmlns:p="http://schemas.openxmlformats.org/presentationml/2006/main">
+  <p:cSld>
+    <p:spTree>
+      <p:nvGrpSpPr>
+        <p:cNvPr id="1" name=""/>
+        <p:cNvGrpSpPr/>
+        <p:nvPr/>
+      </p:nvGrpSpPr>
+      <p:grpSpPr>
+        <a:xfrm>
+          <a:off x="0" y="0"/>
+          <a:ext cx="0" cy="0"/>
+          <a:chOff x="0" y="0"/>
+          <a:chExt cx="0" cy="0"/>
+        </a:xfrm>
+      </p:grpSpPr>
+      <p:sp>
+        <p:nvSpPr>
+          <p:cNvPr id="2" name="제목 1">
+            <a:extLst>
+              <a:ext uri="{FF2B5EF4-FFF2-40B4-BE49-F238E27FC236}">
                 <a16:creationId xmlns:a16="http://schemas.microsoft.com/office/drawing/2014/main" id="{8F093C6E-806D-7A63-729C-E51210C67EBF}"/>
               </a:ext>
             </a:extLst>
@@ -7895,7 +8066,7 @@
 </p:sld>
 </file>
 
-<file path=ppt/slides/slide13.xml><?xml version="1.0" encoding="utf-8"?>
+<file path=ppt/slides/slide14.xml><?xml version="1.0" encoding="utf-8"?>
 <p:sld xmlns:a="http://schemas.openxmlformats.org/drawingml/2006/main" xmlns:r="http://schemas.openxmlformats.org/officeDocument/2006/relationships" xmlns:p="http://schemas.openxmlformats.org/presentationml/2006/main">
   <p:cSld>
     <p:spTree>
